--- a/flutter_仕様書.pptx
+++ b/flutter_仕様書.pptx
@@ -6,6 +6,8 @@
   </p:sldMasterIdLst>
   <p:sldIdLst>
     <p:sldId id="256" r:id="rId2"/>
+    <p:sldId id="258" r:id="rId3"/>
+    <p:sldId id="257" r:id="rId4"/>
   </p:sldIdLst>
   <p:sldSz cx="12192000" cy="6858000"/>
   <p:notesSz cx="6858000" cy="9144000"/>
@@ -3630,7 +3632,14 @@
           <a:bodyPr/>
           <a:lstStyle/>
           <a:p>
-            <a:endParaRPr kumimoji="1" lang="ja-JP" altLang="en-US"/>
+            <a:r>
+              <a:rPr kumimoji="1" lang="en-US" altLang="ja-JP" dirty="0"/>
+              <a:t>flutter</a:t>
+            </a:r>
+            <a:r>
+              <a:rPr kumimoji="1" lang="ja-JP" altLang="en-US" dirty="0"/>
+              <a:t>仕様書</a:t>
+            </a:r>
           </a:p>
         </p:txBody>
       </p:sp>
@@ -3655,7 +3664,7 @@
           <a:bodyPr/>
           <a:lstStyle/>
           <a:p>
-            <a:endParaRPr kumimoji="1" lang="ja-JP" altLang="en-US"/>
+            <a:endParaRPr kumimoji="1" lang="ja-JP" altLang="en-US" dirty="0"/>
           </a:p>
         </p:txBody>
       </p:sp>
@@ -3663,6 +3672,496 @@
     <p:extLst>
       <p:ext uri="{BB962C8B-B14F-4D97-AF65-F5344CB8AC3E}">
         <p14:creationId xmlns:p14="http://schemas.microsoft.com/office/powerpoint/2010/main" val="914522254"/>
+      </p:ext>
+    </p:extLst>
+  </p:cSld>
+  <p:clrMapOvr>
+    <a:masterClrMapping/>
+  </p:clrMapOvr>
+</p:sld>
+</file>
+
+<file path=ppt/slides/slide2.xml><?xml version="1.0" encoding="utf-8"?>
+<p:sld xmlns:a="http://schemas.openxmlformats.org/drawingml/2006/main" xmlns:r="http://schemas.openxmlformats.org/officeDocument/2006/relationships" xmlns:p="http://schemas.openxmlformats.org/presentationml/2006/main">
+  <p:cSld>
+    <p:spTree>
+      <p:nvGrpSpPr>
+        <p:cNvPr id="1" name="">
+          <a:extLst>
+            <a:ext uri="{FF2B5EF4-FFF2-40B4-BE49-F238E27FC236}">
+              <a16:creationId xmlns:a16="http://schemas.microsoft.com/office/drawing/2014/main" id="{FE4039B3-8423-A979-3A2B-A10F2F4186D6}"/>
+            </a:ext>
+          </a:extLst>
+        </p:cNvPr>
+        <p:cNvGrpSpPr/>
+        <p:nvPr/>
+      </p:nvGrpSpPr>
+      <p:grpSpPr>
+        <a:xfrm>
+          <a:off x="0" y="0"/>
+          <a:ext cx="0" cy="0"/>
+          <a:chOff x="0" y="0"/>
+          <a:chExt cx="0" cy="0"/>
+        </a:xfrm>
+      </p:grpSpPr>
+      <p:sp>
+        <p:nvSpPr>
+          <p:cNvPr id="2" name="タイトル 1">
+            <a:extLst>
+              <a:ext uri="{FF2B5EF4-FFF2-40B4-BE49-F238E27FC236}">
+                <a16:creationId xmlns:a16="http://schemas.microsoft.com/office/drawing/2014/main" id="{7E8369ED-B0A6-E50D-9CAF-E262B8DDBA37}"/>
+              </a:ext>
+            </a:extLst>
+          </p:cNvPr>
+          <p:cNvSpPr>
+            <a:spLocks noGrp="1"/>
+          </p:cNvSpPr>
+          <p:nvPr>
+            <p:ph type="ctrTitle"/>
+          </p:nvPr>
+        </p:nvSpPr>
+        <p:spPr/>
+        <p:txBody>
+          <a:bodyPr/>
+          <a:lstStyle/>
+          <a:p>
+            <a:r>
+              <a:rPr lang="ja-JP" altLang="en-US" dirty="0"/>
+              <a:t>読書リスト</a:t>
+            </a:r>
+            <a:r>
+              <a:rPr lang="en-US" altLang="ja-JP" dirty="0"/>
+              <a:t>/</a:t>
+            </a:r>
+            <a:br>
+              <a:rPr lang="en-US" altLang="ja-JP" dirty="0"/>
+            </a:br>
+            <a:r>
+              <a:rPr lang="ja-JP" altLang="en-US" dirty="0"/>
+              <a:t>ウィッシュリストアプリ</a:t>
+            </a:r>
+            <a:endParaRPr kumimoji="1" lang="ja-JP" altLang="en-US" dirty="0"/>
+          </a:p>
+        </p:txBody>
+      </p:sp>
+      <p:sp>
+        <p:nvSpPr>
+          <p:cNvPr id="3" name="字幕 2">
+            <a:extLst>
+              <a:ext uri="{FF2B5EF4-FFF2-40B4-BE49-F238E27FC236}">
+                <a16:creationId xmlns:a16="http://schemas.microsoft.com/office/drawing/2014/main" id="{4A570284-3702-F4C2-62D6-86FACB7BA9FA}"/>
+              </a:ext>
+            </a:extLst>
+          </p:cNvPr>
+          <p:cNvSpPr>
+            <a:spLocks noGrp="1"/>
+          </p:cNvSpPr>
+          <p:nvPr>
+            <p:ph type="subTitle" idx="1"/>
+          </p:nvPr>
+        </p:nvSpPr>
+        <p:spPr/>
+        <p:txBody>
+          <a:bodyPr/>
+          <a:lstStyle/>
+          <a:p>
+            <a:endParaRPr kumimoji="1" lang="ja-JP" altLang="en-US" dirty="0"/>
+          </a:p>
+        </p:txBody>
+      </p:sp>
+    </p:spTree>
+    <p:extLst>
+      <p:ext uri="{BB962C8B-B14F-4D97-AF65-F5344CB8AC3E}">
+        <p14:creationId xmlns:p14="http://schemas.microsoft.com/office/powerpoint/2010/main" val="123116863"/>
+      </p:ext>
+    </p:extLst>
+  </p:cSld>
+  <p:clrMapOvr>
+    <a:masterClrMapping/>
+  </p:clrMapOvr>
+</p:sld>
+</file>
+
+<file path=ppt/slides/slide3.xml><?xml version="1.0" encoding="utf-8"?>
+<p:sld xmlns:a="http://schemas.openxmlformats.org/drawingml/2006/main" xmlns:r="http://schemas.openxmlformats.org/officeDocument/2006/relationships" xmlns:p="http://schemas.openxmlformats.org/presentationml/2006/main">
+  <p:cSld>
+    <p:spTree>
+      <p:nvGrpSpPr>
+        <p:cNvPr id="1" name=""/>
+        <p:cNvGrpSpPr/>
+        <p:nvPr/>
+      </p:nvGrpSpPr>
+      <p:grpSpPr>
+        <a:xfrm>
+          <a:off x="0" y="0"/>
+          <a:ext cx="0" cy="0"/>
+          <a:chOff x="0" y="0"/>
+          <a:chExt cx="0" cy="0"/>
+        </a:xfrm>
+      </p:grpSpPr>
+      <p:sp>
+        <p:nvSpPr>
+          <p:cNvPr id="2" name="タイトル 1">
+            <a:extLst>
+              <a:ext uri="{FF2B5EF4-FFF2-40B4-BE49-F238E27FC236}">
+                <a16:creationId xmlns:a16="http://schemas.microsoft.com/office/drawing/2014/main" id="{A16968D4-7DC9-6903-B38A-9B6648ABE37F}"/>
+              </a:ext>
+            </a:extLst>
+          </p:cNvPr>
+          <p:cNvSpPr>
+            <a:spLocks noGrp="1"/>
+          </p:cNvSpPr>
+          <p:nvPr>
+            <p:ph type="title"/>
+          </p:nvPr>
+        </p:nvSpPr>
+        <p:spPr/>
+        <p:txBody>
+          <a:bodyPr/>
+          <a:lstStyle/>
+          <a:p>
+            <a:r>
+              <a:rPr lang="ja-JP" altLang="en-US" dirty="0"/>
+              <a:t>画面構成</a:t>
+            </a:r>
+            <a:endParaRPr kumimoji="1" lang="ja-JP" altLang="en-US" dirty="0"/>
+          </a:p>
+        </p:txBody>
+      </p:sp>
+      <p:sp>
+        <p:nvSpPr>
+          <p:cNvPr id="4" name="Rectangle 1">
+            <a:extLst>
+              <a:ext uri="{FF2B5EF4-FFF2-40B4-BE49-F238E27FC236}">
+                <a16:creationId xmlns:a16="http://schemas.microsoft.com/office/drawing/2014/main" id="{952F7AFA-D028-04B0-C808-EB014EA05A40}"/>
+              </a:ext>
+            </a:extLst>
+          </p:cNvPr>
+          <p:cNvSpPr>
+            <a:spLocks noGrp="1" noChangeArrowheads="1"/>
+          </p:cNvSpPr>
+          <p:nvPr>
+            <p:ph idx="1"/>
+          </p:nvPr>
+        </p:nvSpPr>
+        <p:spPr bwMode="auto">
+          <a:xfrm>
+            <a:off x="925286" y="1567138"/>
+            <a:ext cx="10515600" cy="3539430"/>
+          </a:xfrm>
+          <a:prstGeom prst="rect">
+            <a:avLst/>
+          </a:prstGeom>
+          <a:noFill/>
+          <a:ln>
+            <a:noFill/>
+          </a:ln>
+          <a:effectLst/>
+          <a:extLst>
+            <a:ext uri="{909E8E84-426E-40DD-AFC4-6F175D3DCCD1}">
+              <a14:hiddenFill xmlns:a14="http://schemas.microsoft.com/office/drawing/2010/main">
+                <a:solidFill>
+                  <a:schemeClr val="accent1"/>
+                </a:solidFill>
+              </a14:hiddenFill>
+            </a:ext>
+            <a:ext uri="{91240B29-F687-4F45-9708-019B960494DF}">
+              <a14:hiddenLine xmlns:a14="http://schemas.microsoft.com/office/drawing/2010/main" w="9525">
+                <a:solidFill>
+                  <a:schemeClr val="tx1"/>
+                </a:solidFill>
+                <a:miter lim="800000"/>
+                <a:headEnd/>
+                <a:tailEnd/>
+              </a14:hiddenLine>
+            </a:ext>
+            <a:ext uri="{AF507438-7753-43E0-B8FC-AC1667EBCBE1}">
+              <a14:hiddenEffects xmlns:a14="http://schemas.microsoft.com/office/drawing/2010/main">
+                <a:effectLst>
+                  <a:outerShdw dist="35921" dir="2700000" algn="ctr" rotWithShape="0">
+                    <a:schemeClr val="bg2"/>
+                  </a:outerShdw>
+                </a:effectLst>
+              </a14:hiddenEffects>
+            </a:ext>
+          </a:extLst>
+        </p:spPr>
+        <p:txBody>
+          <a:bodyPr vert="horz" wrap="square" lIns="91440" tIns="45720" rIns="91440" bIns="45720" numCol="1" anchor="ctr" anchorCtr="0" compatLnSpc="1">
+            <a:prstTxWarp prst="textNoShape">
+              <a:avLst/>
+            </a:prstTxWarp>
+            <a:spAutoFit/>
+          </a:bodyPr>
+          <a:lstStyle/>
+          <a:p>
+            <a:pPr marL="0" marR="0" lvl="0" indent="0" algn="l" defTabSz="914400" rtl="0" eaLnBrk="0" fontAlgn="base" latinLnBrk="0" hangingPunct="0">
+              <a:lnSpc>
+                <a:spcPct val="100000"/>
+              </a:lnSpc>
+              <a:spcBef>
+                <a:spcPct val="0"/>
+              </a:spcBef>
+              <a:spcAft>
+                <a:spcPct val="0"/>
+              </a:spcAft>
+              <a:buClrTx/>
+              <a:buSzTx/>
+              <a:buFontTx/>
+              <a:buChar char="•"/>
+              <a:tabLst/>
+            </a:pPr>
+            <a:r>
+              <a:rPr kumimoji="0" lang="ja-JP" altLang="ja-JP" sz="3200" b="1" i="0" u="none" strike="noStrike" cap="none" normalizeH="0" baseline="0" dirty="0">
+                <a:ln>
+                  <a:noFill/>
+                </a:ln>
+                <a:solidFill>
+                  <a:schemeClr val="tx1"/>
+                </a:solidFill>
+                <a:effectLst/>
+                <a:latin typeface="Arial" panose="020B0604020202020204" pitchFamily="34" charset="0"/>
+              </a:rPr>
+              <a:t>メイン画面 (1画面目):</a:t>
+            </a:r>
+            <a:r>
+              <a:rPr kumimoji="0" lang="ja-JP" altLang="ja-JP" sz="3200" b="0" i="0" u="none" strike="noStrike" cap="none" normalizeH="0" baseline="0" dirty="0">
+                <a:ln>
+                  <a:noFill/>
+                </a:ln>
+                <a:solidFill>
+                  <a:schemeClr val="tx1"/>
+                </a:solidFill>
+                <a:effectLst/>
+                <a:latin typeface="Arial" panose="020B0604020202020204" pitchFamily="34" charset="0"/>
+              </a:rPr>
+              <a:t>  </a:t>
+            </a:r>
+            <a:r>
+              <a:rPr kumimoji="0" lang="ja-JP" altLang="ja-JP" sz="3200" b="1" i="0" u="none" strike="noStrike" cap="none" normalizeH="0" baseline="0" dirty="0">
+                <a:ln>
+                  <a:noFill/>
+                </a:ln>
+                <a:solidFill>
+                  <a:schemeClr val="tx1"/>
+                </a:solidFill>
+                <a:effectLst/>
+                <a:latin typeface="Arial" panose="020B0604020202020204" pitchFamily="34" charset="0"/>
+              </a:rPr>
+              <a:t>書籍リストの表示</a:t>
+            </a:r>
+            <a:r>
+              <a:rPr kumimoji="0" lang="ja-JP" altLang="ja-JP" sz="3200" b="0" i="0" u="none" strike="noStrike" cap="none" normalizeH="0" baseline="0" dirty="0">
+                <a:ln>
+                  <a:noFill/>
+                </a:ln>
+                <a:solidFill>
+                  <a:schemeClr val="tx1"/>
+                </a:solidFill>
+                <a:effectLst/>
+                <a:latin typeface="Arial" panose="020B0604020202020204" pitchFamily="34" charset="0"/>
+              </a:rPr>
+              <a:t>。追加された書籍を一覧表示</a:t>
+            </a:r>
+            <a:r>
+              <a:rPr kumimoji="0" lang="ja-JP" altLang="en-US" sz="3200" b="0" i="0" u="none" strike="noStrike" cap="none" normalizeH="0" baseline="0" dirty="0">
+                <a:ln>
+                  <a:noFill/>
+                </a:ln>
+                <a:solidFill>
+                  <a:schemeClr val="tx1"/>
+                </a:solidFill>
+                <a:effectLst/>
+                <a:latin typeface="Arial" panose="020B0604020202020204" pitchFamily="34" charset="0"/>
+              </a:rPr>
+              <a:t>する</a:t>
+            </a:r>
+            <a:r>
+              <a:rPr kumimoji="0" lang="ja-JP" altLang="ja-JP" sz="3200" b="0" i="0" u="none" strike="noStrike" cap="none" normalizeH="0" baseline="0" dirty="0">
+                <a:ln>
+                  <a:noFill/>
+                </a:ln>
+                <a:solidFill>
+                  <a:schemeClr val="tx1"/>
+                </a:solidFill>
+                <a:effectLst/>
+                <a:latin typeface="Arial" panose="020B0604020202020204" pitchFamily="34" charset="0"/>
+              </a:rPr>
+              <a:t>。リストアイテムをタップすると詳細画面へ遷移</a:t>
+            </a:r>
+            <a:r>
+              <a:rPr kumimoji="0" lang="ja-JP" altLang="en-US" sz="3200" b="0" i="0" u="none" strike="noStrike" cap="none" normalizeH="0" baseline="0" dirty="0">
+                <a:ln>
+                  <a:noFill/>
+                </a:ln>
+                <a:solidFill>
+                  <a:schemeClr val="tx1"/>
+                </a:solidFill>
+                <a:effectLst/>
+                <a:latin typeface="Arial" panose="020B0604020202020204" pitchFamily="34" charset="0"/>
+              </a:rPr>
+              <a:t>する</a:t>
+            </a:r>
+            <a:r>
+              <a:rPr kumimoji="0" lang="ja-JP" altLang="ja-JP" sz="3200" b="0" i="0" u="none" strike="noStrike" cap="none" normalizeH="0" baseline="0" dirty="0">
+                <a:ln>
+                  <a:noFill/>
+                </a:ln>
+                <a:solidFill>
+                  <a:schemeClr val="tx1"/>
+                </a:solidFill>
+                <a:effectLst/>
+                <a:latin typeface="Arial" panose="020B0604020202020204" pitchFamily="34" charset="0"/>
+              </a:rPr>
+              <a:t>。</a:t>
+            </a:r>
+          </a:p>
+          <a:p>
+            <a:pPr marL="0" marR="0" lvl="0" indent="0" algn="l" defTabSz="914400" rtl="0" eaLnBrk="0" fontAlgn="base" latinLnBrk="0" hangingPunct="0">
+              <a:lnSpc>
+                <a:spcPct val="100000"/>
+              </a:lnSpc>
+              <a:spcBef>
+                <a:spcPct val="0"/>
+              </a:spcBef>
+              <a:spcAft>
+                <a:spcPct val="0"/>
+              </a:spcAft>
+              <a:buClrTx/>
+              <a:buSzTx/>
+              <a:buFontTx/>
+              <a:buChar char="•"/>
+              <a:tabLst/>
+            </a:pPr>
+            <a:r>
+              <a:rPr kumimoji="0" lang="ja-JP" altLang="ja-JP" sz="3200" b="1" i="0" u="none" strike="noStrike" cap="none" normalizeH="0" baseline="0" dirty="0">
+                <a:ln>
+                  <a:noFill/>
+                </a:ln>
+                <a:solidFill>
+                  <a:schemeClr val="tx1"/>
+                </a:solidFill>
+                <a:effectLst/>
+                <a:latin typeface="Arial" panose="020B0604020202020204" pitchFamily="34" charset="0"/>
+              </a:rPr>
+              <a:t>詳細画面 (2画面目):</a:t>
+            </a:r>
+            <a:r>
+              <a:rPr kumimoji="0" lang="ja-JP" altLang="ja-JP" sz="3200" b="0" i="0" u="none" strike="noStrike" cap="none" normalizeH="0" baseline="0" dirty="0">
+                <a:ln>
+                  <a:noFill/>
+                </a:ln>
+                <a:solidFill>
+                  <a:schemeClr val="tx1"/>
+                </a:solidFill>
+                <a:effectLst/>
+                <a:latin typeface="Arial" panose="020B0604020202020204" pitchFamily="34" charset="0"/>
+              </a:rPr>
+              <a:t>  </a:t>
+            </a:r>
+            <a:r>
+              <a:rPr kumimoji="0" lang="ja-JP" altLang="ja-JP" sz="3200" b="1" i="0" u="none" strike="noStrike" cap="none" normalizeH="0" baseline="0" dirty="0">
+                <a:ln>
+                  <a:noFill/>
+                </a:ln>
+                <a:solidFill>
+                  <a:schemeClr val="tx1"/>
+                </a:solidFill>
+                <a:effectLst/>
+                <a:latin typeface="Arial" panose="020B0604020202020204" pitchFamily="34" charset="0"/>
+              </a:rPr>
+              <a:t>書籍の詳細表示</a:t>
+            </a:r>
+            <a:r>
+              <a:rPr kumimoji="0" lang="ja-JP" altLang="ja-JP" sz="3200" b="0" i="0" u="none" strike="noStrike" cap="none" normalizeH="0" baseline="0" dirty="0">
+                <a:ln>
+                  <a:noFill/>
+                </a:ln>
+                <a:solidFill>
+                  <a:schemeClr val="tx1"/>
+                </a:solidFill>
+                <a:effectLst/>
+                <a:latin typeface="Arial" panose="020B0604020202020204" pitchFamily="34" charset="0"/>
+              </a:rPr>
+              <a:t>。選択した書籍のタイトル、著者、メモなどの詳細を表示します。</a:t>
+            </a:r>
+          </a:p>
+          <a:p>
+            <a:pPr marL="0" marR="0" lvl="0" indent="0" algn="l" defTabSz="914400" rtl="0" eaLnBrk="0" fontAlgn="base" latinLnBrk="0" hangingPunct="0">
+              <a:lnSpc>
+                <a:spcPct val="100000"/>
+              </a:lnSpc>
+              <a:spcBef>
+                <a:spcPct val="0"/>
+              </a:spcBef>
+              <a:spcAft>
+                <a:spcPct val="0"/>
+              </a:spcAft>
+              <a:buClrTx/>
+              <a:buSzTx/>
+              <a:buFontTx/>
+              <a:buChar char="•"/>
+              <a:tabLst/>
+            </a:pPr>
+            <a:r>
+              <a:rPr kumimoji="0" lang="ja-JP" altLang="ja-JP" sz="3200" b="1" i="0" u="none" strike="noStrike" cap="none" normalizeH="0" baseline="0" dirty="0">
+                <a:ln>
+                  <a:noFill/>
+                </a:ln>
+                <a:solidFill>
+                  <a:schemeClr val="tx1"/>
+                </a:solidFill>
+                <a:effectLst/>
+                <a:latin typeface="Arial" panose="020B0604020202020204" pitchFamily="34" charset="0"/>
+              </a:rPr>
+              <a:t>追加/編集画面 (3画面目):</a:t>
+            </a:r>
+            <a:r>
+              <a:rPr kumimoji="0" lang="ja-JP" altLang="ja-JP" sz="3200" b="0" i="0" u="none" strike="noStrike" cap="none" normalizeH="0" baseline="0" dirty="0">
+                <a:ln>
+                  <a:noFill/>
+                </a:ln>
+                <a:solidFill>
+                  <a:schemeClr val="tx1"/>
+                </a:solidFill>
+                <a:effectLst/>
+                <a:latin typeface="Arial" panose="020B0604020202020204" pitchFamily="34" charset="0"/>
+              </a:rPr>
+              <a:t>  </a:t>
+            </a:r>
+            <a:r>
+              <a:rPr kumimoji="0" lang="ja-JP" altLang="ja-JP" sz="3200" b="1" i="0" u="none" strike="noStrike" cap="none" normalizeH="0" baseline="0" dirty="0">
+                <a:ln>
+                  <a:noFill/>
+                </a:ln>
+                <a:solidFill>
+                  <a:schemeClr val="tx1"/>
+                </a:solidFill>
+                <a:effectLst/>
+                <a:latin typeface="Arial" panose="020B0604020202020204" pitchFamily="34" charset="0"/>
+              </a:rPr>
+              <a:t>新規書籍の追加/情報の編集</a:t>
+            </a:r>
+            <a:r>
+              <a:rPr kumimoji="0" lang="ja-JP" altLang="ja-JP" sz="3200" b="0" i="0" u="none" strike="noStrike" cap="none" normalizeH="0" baseline="0" dirty="0">
+                <a:ln>
+                  <a:noFill/>
+                </a:ln>
+                <a:solidFill>
+                  <a:schemeClr val="tx1"/>
+                </a:solidFill>
+                <a:effectLst/>
+                <a:latin typeface="Arial" panose="020B0604020202020204" pitchFamily="34" charset="0"/>
+              </a:rPr>
+              <a:t>。テキストフィールド</a:t>
+            </a:r>
+          </a:p>
+        </p:txBody>
+      </p:sp>
+    </p:spTree>
+    <p:extLst>
+      <p:ext uri="{BB962C8B-B14F-4D97-AF65-F5344CB8AC3E}">
+        <p14:creationId xmlns:p14="http://schemas.microsoft.com/office/powerpoint/2010/main" val="2223361126"/>
       </p:ext>
     </p:extLst>
   </p:cSld>

--- a/flutter_仕様書.pptx
+++ b/flutter_仕様書.pptx
@@ -106,6 +106,11 @@
       </a:defRPr>
     </a:lvl9pPr>
   </p:defaultTextStyle>
+  <p:extLst>
+    <p:ext uri="{EFAFB233-063F-42B5-8137-9DF3F51BA10A}">
+      <p15:sldGuideLst xmlns:p15="http://schemas.microsoft.com/office/powerpoint/2012/main"/>
+    </p:ext>
+  </p:extLst>
 </p:presentation>
 </file>
 
@@ -256,7 +261,7 @@
           <a:p>
             <a:fld id="{C36E91FD-3B1C-4228-B9F7-36E12070ADBD}" type="datetimeFigureOut">
               <a:rPr kumimoji="1" lang="ja-JP" altLang="en-US" smtClean="0"/>
-              <a:t>2025/12/3</a:t>
+              <a:t>2026/1/14</a:t>
             </a:fld>
             <a:endParaRPr kumimoji="1" lang="ja-JP" altLang="en-US"/>
           </a:p>
@@ -486,7 +491,7 @@
           <a:p>
             <a:fld id="{C36E91FD-3B1C-4228-B9F7-36E12070ADBD}" type="datetimeFigureOut">
               <a:rPr kumimoji="1" lang="ja-JP" altLang="en-US" smtClean="0"/>
-              <a:t>2025/12/3</a:t>
+              <a:t>2026/1/14</a:t>
             </a:fld>
             <a:endParaRPr kumimoji="1" lang="ja-JP" altLang="en-US"/>
           </a:p>
@@ -726,7 +731,7 @@
           <a:p>
             <a:fld id="{C36E91FD-3B1C-4228-B9F7-36E12070ADBD}" type="datetimeFigureOut">
               <a:rPr kumimoji="1" lang="ja-JP" altLang="en-US" smtClean="0"/>
-              <a:t>2025/12/3</a:t>
+              <a:t>2026/1/14</a:t>
             </a:fld>
             <a:endParaRPr kumimoji="1" lang="ja-JP" altLang="en-US"/>
           </a:p>
@@ -956,7 +961,7 @@
           <a:p>
             <a:fld id="{C36E91FD-3B1C-4228-B9F7-36E12070ADBD}" type="datetimeFigureOut">
               <a:rPr kumimoji="1" lang="ja-JP" altLang="en-US" smtClean="0"/>
-              <a:t>2025/12/3</a:t>
+              <a:t>2026/1/14</a:t>
             </a:fld>
             <a:endParaRPr kumimoji="1" lang="ja-JP" altLang="en-US"/>
           </a:p>
@@ -1231,7 +1236,7 @@
           <a:p>
             <a:fld id="{C36E91FD-3B1C-4228-B9F7-36E12070ADBD}" type="datetimeFigureOut">
               <a:rPr kumimoji="1" lang="ja-JP" altLang="en-US" smtClean="0"/>
-              <a:t>2025/12/3</a:t>
+              <a:t>2026/1/14</a:t>
             </a:fld>
             <a:endParaRPr kumimoji="1" lang="ja-JP" altLang="en-US"/>
           </a:p>
@@ -1560,7 +1565,7 @@
           <a:p>
             <a:fld id="{C36E91FD-3B1C-4228-B9F7-36E12070ADBD}" type="datetimeFigureOut">
               <a:rPr kumimoji="1" lang="ja-JP" altLang="en-US" smtClean="0"/>
-              <a:t>2025/12/3</a:t>
+              <a:t>2026/1/14</a:t>
             </a:fld>
             <a:endParaRPr kumimoji="1" lang="ja-JP" altLang="en-US"/>
           </a:p>
@@ -2036,7 +2041,7 @@
           <a:p>
             <a:fld id="{C36E91FD-3B1C-4228-B9F7-36E12070ADBD}" type="datetimeFigureOut">
               <a:rPr kumimoji="1" lang="ja-JP" altLang="en-US" smtClean="0"/>
-              <a:t>2025/12/3</a:t>
+              <a:t>2026/1/14</a:t>
             </a:fld>
             <a:endParaRPr kumimoji="1" lang="ja-JP" altLang="en-US"/>
           </a:p>
@@ -2177,7 +2182,7 @@
           <a:p>
             <a:fld id="{C36E91FD-3B1C-4228-B9F7-36E12070ADBD}" type="datetimeFigureOut">
               <a:rPr kumimoji="1" lang="ja-JP" altLang="en-US" smtClean="0"/>
-              <a:t>2025/12/3</a:t>
+              <a:t>2026/1/14</a:t>
             </a:fld>
             <a:endParaRPr kumimoji="1" lang="ja-JP" altLang="en-US"/>
           </a:p>
@@ -2290,7 +2295,7 @@
           <a:p>
             <a:fld id="{C36E91FD-3B1C-4228-B9F7-36E12070ADBD}" type="datetimeFigureOut">
               <a:rPr kumimoji="1" lang="ja-JP" altLang="en-US" smtClean="0"/>
-              <a:t>2025/12/3</a:t>
+              <a:t>2026/1/14</a:t>
             </a:fld>
             <a:endParaRPr kumimoji="1" lang="ja-JP" altLang="en-US"/>
           </a:p>
@@ -2633,7 +2638,7 @@
           <a:p>
             <a:fld id="{C36E91FD-3B1C-4228-B9F7-36E12070ADBD}" type="datetimeFigureOut">
               <a:rPr kumimoji="1" lang="ja-JP" altLang="en-US" smtClean="0"/>
-              <a:t>2025/12/3</a:t>
+              <a:t>2026/1/14</a:t>
             </a:fld>
             <a:endParaRPr kumimoji="1" lang="ja-JP" altLang="en-US"/>
           </a:p>
@@ -2921,7 +2926,7 @@
           <a:p>
             <a:fld id="{C36E91FD-3B1C-4228-B9F7-36E12070ADBD}" type="datetimeFigureOut">
               <a:rPr kumimoji="1" lang="ja-JP" altLang="en-US" smtClean="0"/>
-              <a:t>2025/12/3</a:t>
+              <a:t>2026/1/14</a:t>
             </a:fld>
             <a:endParaRPr kumimoji="1" lang="ja-JP" altLang="en-US"/>
           </a:p>
@@ -3194,7 +3199,7 @@
           <a:p>
             <a:fld id="{C36E91FD-3B1C-4228-B9F7-36E12070ADBD}" type="datetimeFigureOut">
               <a:rPr kumimoji="1" lang="ja-JP" altLang="en-US" smtClean="0"/>
-              <a:t>2025/12/3</a:t>
+              <a:t>2026/1/14</a:t>
             </a:fld>
             <a:endParaRPr kumimoji="1" lang="ja-JP" altLang="en-US"/>
           </a:p>
@@ -3726,19 +3731,8 @@
           <a:lstStyle/>
           <a:p>
             <a:r>
-              <a:rPr lang="ja-JP" altLang="en-US" dirty="0"/>
-              <a:t>読書リスト</a:t>
-            </a:r>
-            <a:r>
-              <a:rPr lang="en-US" altLang="ja-JP" dirty="0"/>
-              <a:t>/</a:t>
-            </a:r>
-            <a:br>
-              <a:rPr lang="en-US" altLang="ja-JP" dirty="0"/>
-            </a:br>
-            <a:r>
-              <a:rPr lang="ja-JP" altLang="en-US" dirty="0"/>
-              <a:t>ウィッシュリストアプリ</a:t>
+              <a:rPr lang="ja-JP" altLang="en-US" b="1" dirty="0"/>
+              <a:t>クイズ</a:t>
             </a:r>
             <a:endParaRPr kumimoji="1" lang="ja-JP" altLang="en-US" dirty="0"/>
           </a:p>
@@ -3846,8 +3840,8 @@
         </p:nvSpPr>
         <p:spPr bwMode="auto">
           <a:xfrm>
-            <a:off x="925286" y="1567138"/>
-            <a:ext cx="10515600" cy="3539430"/>
+            <a:off x="925286" y="2798243"/>
+            <a:ext cx="10515600" cy="1077218"/>
           </a:xfrm>
           <a:prstGeom prst="rect">
             <a:avLst/>
@@ -3895,7 +3889,7 @@
           </a:bodyPr>
           <a:lstStyle/>
           <a:p>
-            <a:pPr marL="0" marR="0" lvl="0" indent="0" algn="l" defTabSz="914400" rtl="0" eaLnBrk="0" fontAlgn="base" latinLnBrk="0" hangingPunct="0">
+            <a:pPr marL="0" lvl="0" indent="0" eaLnBrk="0" fontAlgn="base" hangingPunct="0">
               <a:lnSpc>
                 <a:spcPct val="100000"/>
               </a:lnSpc>
@@ -3905,119 +3899,33 @@
               <a:spcAft>
                 <a:spcPct val="0"/>
               </a:spcAft>
-              <a:buClrTx/>
-              <a:buSzTx/>
               <a:buFontTx/>
               <a:buChar char="•"/>
-              <a:tabLst/>
             </a:pPr>
             <a:r>
-              <a:rPr kumimoji="0" lang="ja-JP" altLang="ja-JP" sz="3200" b="1" i="0" u="none" strike="noStrike" cap="none" normalizeH="0" baseline="0" dirty="0">
-                <a:ln>
-                  <a:noFill/>
-                </a:ln>
-                <a:solidFill>
-                  <a:schemeClr val="tx1"/>
-                </a:solidFill>
-                <a:effectLst/>
-                <a:latin typeface="Arial" panose="020B0604020202020204" pitchFamily="34" charset="0"/>
-              </a:rPr>
-              <a:t>メイン画面 (1画面目):</a:t>
-            </a:r>
-            <a:r>
-              <a:rPr kumimoji="0" lang="ja-JP" altLang="ja-JP" sz="3200" b="0" i="0" u="none" strike="noStrike" cap="none" normalizeH="0" baseline="0" dirty="0">
-                <a:ln>
-                  <a:noFill/>
-                </a:ln>
-                <a:solidFill>
-                  <a:schemeClr val="tx1"/>
-                </a:solidFill>
-                <a:effectLst/>
-                <a:latin typeface="Arial" panose="020B0604020202020204" pitchFamily="34" charset="0"/>
-              </a:rPr>
-              <a:t>  </a:t>
-            </a:r>
-            <a:r>
-              <a:rPr kumimoji="0" lang="ja-JP" altLang="ja-JP" sz="3200" b="1" i="0" u="none" strike="noStrike" cap="none" normalizeH="0" baseline="0" dirty="0">
-                <a:ln>
-                  <a:noFill/>
-                </a:ln>
-                <a:solidFill>
-                  <a:schemeClr val="tx1"/>
-                </a:solidFill>
-                <a:effectLst/>
-                <a:latin typeface="Arial" panose="020B0604020202020204" pitchFamily="34" charset="0"/>
-              </a:rPr>
-              <a:t>書籍リストの表示</a:t>
-            </a:r>
-            <a:r>
-              <a:rPr kumimoji="0" lang="ja-JP" altLang="ja-JP" sz="3200" b="0" i="0" u="none" strike="noStrike" cap="none" normalizeH="0" baseline="0" dirty="0">
-                <a:ln>
-                  <a:noFill/>
-                </a:ln>
-                <a:solidFill>
-                  <a:schemeClr val="tx1"/>
-                </a:solidFill>
-                <a:effectLst/>
-                <a:latin typeface="Arial" panose="020B0604020202020204" pitchFamily="34" charset="0"/>
-              </a:rPr>
-              <a:t>。追加された書籍を一覧表示</a:t>
-            </a:r>
-            <a:r>
-              <a:rPr kumimoji="0" lang="ja-JP" altLang="en-US" sz="3200" b="0" i="0" u="none" strike="noStrike" cap="none" normalizeH="0" baseline="0" dirty="0">
-                <a:ln>
-                  <a:noFill/>
-                </a:ln>
-                <a:solidFill>
-                  <a:schemeClr val="tx1"/>
-                </a:solidFill>
-                <a:effectLst/>
-                <a:latin typeface="Arial" panose="020B0604020202020204" pitchFamily="34" charset="0"/>
-              </a:rPr>
-              <a:t>する</a:t>
-            </a:r>
-            <a:r>
-              <a:rPr kumimoji="0" lang="ja-JP" altLang="ja-JP" sz="3200" b="0" i="0" u="none" strike="noStrike" cap="none" normalizeH="0" baseline="0" dirty="0">
-                <a:ln>
-                  <a:noFill/>
-                </a:ln>
-                <a:solidFill>
-                  <a:schemeClr val="tx1"/>
-                </a:solidFill>
-                <a:effectLst/>
-                <a:latin typeface="Arial" panose="020B0604020202020204" pitchFamily="34" charset="0"/>
-              </a:rPr>
-              <a:t>。リストアイテムをタップすると詳細画面へ遷移</a:t>
-            </a:r>
-            <a:r>
-              <a:rPr kumimoji="0" lang="ja-JP" altLang="en-US" sz="3200" b="0" i="0" u="none" strike="noStrike" cap="none" normalizeH="0" baseline="0" dirty="0">
-                <a:ln>
-                  <a:noFill/>
-                </a:ln>
-                <a:solidFill>
-                  <a:schemeClr val="tx1"/>
-                </a:solidFill>
-                <a:effectLst/>
-                <a:latin typeface="Arial" panose="020B0604020202020204" pitchFamily="34" charset="0"/>
-              </a:rPr>
-              <a:t>する</a:t>
-            </a:r>
-            <a:r>
-              <a:rPr kumimoji="0" lang="ja-JP" altLang="ja-JP" sz="3200" b="0" i="0" u="none" strike="noStrike" cap="none" normalizeH="0" baseline="0" dirty="0">
-                <a:ln>
-                  <a:noFill/>
-                </a:ln>
-                <a:solidFill>
-                  <a:schemeClr val="tx1"/>
-                </a:solidFill>
-                <a:effectLst/>
-                <a:latin typeface="Arial" panose="020B0604020202020204" pitchFamily="34" charset="0"/>
-              </a:rPr>
-              <a:t>。</a:t>
-            </a:r>
-          </a:p>
-          <a:p>
-            <a:pPr marL="0" marR="0" lvl="0" indent="0" algn="l" defTabSz="914400" rtl="0" eaLnBrk="0" fontAlgn="base" latinLnBrk="0" hangingPunct="0">
+              <a:rPr lang="ja-JP" altLang="en-US" sz="3200" dirty="0"/>
+              <a:t>画面</a:t>
+            </a:r>
+            <a:r>
+              <a:rPr lang="en-US" altLang="ja-JP" sz="3200" dirty="0"/>
+              <a:t>1</a:t>
+            </a:r>
+            <a:r>
+              <a:rPr lang="ja-JP" altLang="en-US" sz="3200" dirty="0"/>
+              <a:t>：問題画面（</a:t>
+            </a:r>
+            <a:r>
+              <a:rPr lang="en-US" altLang="ja-JP" sz="3200" dirty="0"/>
+              <a:t>Question Page</a:t>
+            </a:r>
+            <a:r>
+              <a:rPr lang="ja-JP" altLang="en-US" sz="3200" dirty="0"/>
+              <a:t>）</a:t>
+            </a:r>
+            <a:endParaRPr lang="en-US" altLang="ja-JP" sz="3200" dirty="0"/>
+          </a:p>
+          <a:p>
+            <a:pPr marL="0" lvl="0" indent="0" eaLnBrk="0" fontAlgn="base" hangingPunct="0">
               <a:lnSpc>
                 <a:spcPct val="100000"/>
               </a:lnSpc>
@@ -4027,134 +3935,35 @@
               <a:spcAft>
                 <a:spcPct val="0"/>
               </a:spcAft>
-              <a:buClrTx/>
-              <a:buSzTx/>
               <a:buFontTx/>
               <a:buChar char="•"/>
-              <a:tabLst/>
             </a:pPr>
             <a:r>
-              <a:rPr kumimoji="0" lang="ja-JP" altLang="ja-JP" sz="3200" b="1" i="0" u="none" strike="noStrike" cap="none" normalizeH="0" baseline="0" dirty="0">
-                <a:ln>
-                  <a:noFill/>
-                </a:ln>
-                <a:solidFill>
-                  <a:schemeClr val="tx1"/>
-                </a:solidFill>
-                <a:effectLst/>
-                <a:latin typeface="Arial" panose="020B0604020202020204" pitchFamily="34" charset="0"/>
-              </a:rPr>
-              <a:t>詳細画面 (2画面目):</a:t>
-            </a:r>
-            <a:r>
-              <a:rPr kumimoji="0" lang="ja-JP" altLang="ja-JP" sz="3200" b="0" i="0" u="none" strike="noStrike" cap="none" normalizeH="0" baseline="0" dirty="0">
-                <a:ln>
-                  <a:noFill/>
-                </a:ln>
-                <a:solidFill>
-                  <a:schemeClr val="tx1"/>
-                </a:solidFill>
-                <a:effectLst/>
-                <a:latin typeface="Arial" panose="020B0604020202020204" pitchFamily="34" charset="0"/>
-              </a:rPr>
-              <a:t>  </a:t>
-            </a:r>
-            <a:r>
-              <a:rPr kumimoji="0" lang="ja-JP" altLang="ja-JP" sz="3200" b="1" i="0" u="none" strike="noStrike" cap="none" normalizeH="0" baseline="0" dirty="0">
-                <a:ln>
-                  <a:noFill/>
-                </a:ln>
-                <a:solidFill>
-                  <a:schemeClr val="tx1"/>
-                </a:solidFill>
-                <a:effectLst/>
-                <a:latin typeface="Arial" panose="020B0604020202020204" pitchFamily="34" charset="0"/>
-              </a:rPr>
-              <a:t>書籍の詳細表示</a:t>
-            </a:r>
-            <a:r>
-              <a:rPr kumimoji="0" lang="ja-JP" altLang="ja-JP" sz="3200" b="0" i="0" u="none" strike="noStrike" cap="none" normalizeH="0" baseline="0" dirty="0">
-                <a:ln>
-                  <a:noFill/>
-                </a:ln>
-                <a:solidFill>
-                  <a:schemeClr val="tx1"/>
-                </a:solidFill>
-                <a:effectLst/>
-                <a:latin typeface="Arial" panose="020B0604020202020204" pitchFamily="34" charset="0"/>
-              </a:rPr>
-              <a:t>。選択した書籍のタイトル、著者、メモなどの詳細を表示します。</a:t>
-            </a:r>
-          </a:p>
-          <a:p>
-            <a:pPr marL="0" marR="0" lvl="0" indent="0" algn="l" defTabSz="914400" rtl="0" eaLnBrk="0" fontAlgn="base" latinLnBrk="0" hangingPunct="0">
-              <a:lnSpc>
-                <a:spcPct val="100000"/>
-              </a:lnSpc>
-              <a:spcBef>
-                <a:spcPct val="0"/>
-              </a:spcBef>
-              <a:spcAft>
-                <a:spcPct val="0"/>
-              </a:spcAft>
-              <a:buClrTx/>
-              <a:buSzTx/>
-              <a:buFontTx/>
-              <a:buChar char="•"/>
-              <a:tabLst/>
-            </a:pPr>
-            <a:r>
-              <a:rPr kumimoji="0" lang="ja-JP" altLang="ja-JP" sz="3200" b="1" i="0" u="none" strike="noStrike" cap="none" normalizeH="0" baseline="0" dirty="0">
-                <a:ln>
-                  <a:noFill/>
-                </a:ln>
-                <a:solidFill>
-                  <a:schemeClr val="tx1"/>
-                </a:solidFill>
-                <a:effectLst/>
-                <a:latin typeface="Arial" panose="020B0604020202020204" pitchFamily="34" charset="0"/>
-              </a:rPr>
-              <a:t>追加/編集画面 (3画面目):</a:t>
-            </a:r>
-            <a:r>
-              <a:rPr kumimoji="0" lang="ja-JP" altLang="ja-JP" sz="3200" b="0" i="0" u="none" strike="noStrike" cap="none" normalizeH="0" baseline="0" dirty="0">
-                <a:ln>
-                  <a:noFill/>
-                </a:ln>
-                <a:solidFill>
-                  <a:schemeClr val="tx1"/>
-                </a:solidFill>
-                <a:effectLst/>
-                <a:latin typeface="Arial" panose="020B0604020202020204" pitchFamily="34" charset="0"/>
-              </a:rPr>
-              <a:t>  </a:t>
-            </a:r>
-            <a:r>
-              <a:rPr kumimoji="0" lang="ja-JP" altLang="ja-JP" sz="3200" b="1" i="0" u="none" strike="noStrike" cap="none" normalizeH="0" baseline="0" dirty="0">
-                <a:ln>
-                  <a:noFill/>
-                </a:ln>
-                <a:solidFill>
-                  <a:schemeClr val="tx1"/>
-                </a:solidFill>
-                <a:effectLst/>
-                <a:latin typeface="Arial" panose="020B0604020202020204" pitchFamily="34" charset="0"/>
-              </a:rPr>
-              <a:t>新規書籍の追加/情報の編集</a:t>
-            </a:r>
-            <a:r>
-              <a:rPr kumimoji="0" lang="ja-JP" altLang="ja-JP" sz="3200" b="0" i="0" u="none" strike="noStrike" cap="none" normalizeH="0" baseline="0" dirty="0">
-                <a:ln>
-                  <a:noFill/>
-                </a:ln>
-                <a:solidFill>
-                  <a:schemeClr val="tx1"/>
-                </a:solidFill>
-                <a:effectLst/>
-                <a:latin typeface="Arial" panose="020B0604020202020204" pitchFamily="34" charset="0"/>
-              </a:rPr>
-              <a:t>。テキストフィールド</a:t>
-            </a:r>
+              <a:rPr lang="ja-JP" altLang="en-US" sz="3200" dirty="0"/>
+              <a:t>画面</a:t>
+            </a:r>
+            <a:r>
+              <a:rPr lang="en-US" altLang="ja-JP" sz="3200" dirty="0"/>
+              <a:t>2</a:t>
+            </a:r>
+            <a:r>
+              <a:rPr lang="ja-JP" altLang="en-US" sz="3200" dirty="0"/>
+              <a:t>：結果・解説画面 </a:t>
+            </a:r>
+            <a:r>
+              <a:rPr lang="en-US" altLang="ja-JP" sz="3200" dirty="0"/>
+              <a:t>(Result Page)</a:t>
+            </a:r>
+            <a:endParaRPr kumimoji="0" lang="ja-JP" altLang="ja-JP" sz="3200" b="0" i="0" u="none" strike="noStrike" cap="none" normalizeH="0" baseline="0" dirty="0">
+              <a:ln>
+                <a:noFill/>
+              </a:ln>
+              <a:solidFill>
+                <a:schemeClr val="tx1"/>
+              </a:solidFill>
+              <a:effectLst/>
+              <a:latin typeface="Arial" panose="020B0604020202020204" pitchFamily="34" charset="0"/>
+            </a:endParaRPr>
           </a:p>
         </p:txBody>
       </p:sp>
